--- a/Kubernetes(Storage).pptx
+++ b/Kubernetes(Storage).pptx
@@ -211,7 +211,7 @@
           <a:p>
             <a:fld id="{EAD36870-4DE6-BA41-B44D-C5F5ACCB6812}" type="datetimeFigureOut">
               <a:rPr lang="en-US" smtClean="0"/>
-              <a:t>1/10/18</a:t>
+              <a:t>2/13/18</a:t>
             </a:fld>
             <a:endParaRPr lang="en-US"/>
           </a:p>
@@ -1396,7 +1396,7 @@
           <a:p>
             <a:fld id="{414AF996-2D48-9849-ADD9-81794694F53C}" type="datetimeFigureOut">
               <a:rPr lang="en-US" smtClean="0"/>
-              <a:t>1/10/18</a:t>
+              <a:t>2/13/18</a:t>
             </a:fld>
             <a:endParaRPr lang="en-US"/>
           </a:p>
@@ -1600,7 +1600,7 @@
           <a:p>
             <a:fld id="{414AF996-2D48-9849-ADD9-81794694F53C}" type="datetimeFigureOut">
               <a:rPr lang="en-US" smtClean="0"/>
-              <a:t>1/10/18</a:t>
+              <a:t>2/13/18</a:t>
             </a:fld>
             <a:endParaRPr lang="en-US"/>
           </a:p>
@@ -2027,7 +2027,7 @@
           <a:p>
             <a:fld id="{414AF996-2D48-9849-ADD9-81794694F53C}" type="datetimeFigureOut">
               <a:rPr lang="en-US" smtClean="0"/>
-              <a:t>1/10/18</a:t>
+              <a:t>2/13/18</a:t>
             </a:fld>
             <a:endParaRPr lang="en-US"/>
           </a:p>
@@ -2283,7 +2283,7 @@
           <a:p>
             <a:fld id="{414AF996-2D48-9849-ADD9-81794694F53C}" type="datetimeFigureOut">
               <a:rPr lang="en-US" smtClean="0"/>
-              <a:t>1/10/18</a:t>
+              <a:t>2/13/18</a:t>
             </a:fld>
             <a:endParaRPr lang="en-US"/>
           </a:p>
@@ -2674,7 +2674,7 @@
           <a:p>
             <a:fld id="{414AF996-2D48-9849-ADD9-81794694F53C}" type="datetimeFigureOut">
               <a:rPr lang="en-US" smtClean="0"/>
-              <a:t>1/10/18</a:t>
+              <a:t>2/13/18</a:t>
             </a:fld>
             <a:endParaRPr lang="en-US"/>
           </a:p>
@@ -2816,7 +2816,7 @@
           <a:p>
             <a:fld id="{414AF996-2D48-9849-ADD9-81794694F53C}" type="datetimeFigureOut">
               <a:rPr lang="en-US" smtClean="0"/>
-              <a:t>1/10/18</a:t>
+              <a:t>2/13/18</a:t>
             </a:fld>
             <a:endParaRPr lang="en-US"/>
           </a:p>
@@ -2935,7 +2935,7 @@
           <a:p>
             <a:fld id="{414AF996-2D48-9849-ADD9-81794694F53C}" type="datetimeFigureOut">
               <a:rPr lang="en-US" smtClean="0"/>
-              <a:t>1/10/18</a:t>
+              <a:t>2/13/18</a:t>
             </a:fld>
             <a:endParaRPr lang="en-US"/>
           </a:p>
@@ -3236,7 +3236,7 @@
           <a:p>
             <a:fld id="{414AF996-2D48-9849-ADD9-81794694F53C}" type="datetimeFigureOut">
               <a:rPr lang="en-US" smtClean="0"/>
-              <a:t>1/10/18</a:t>
+              <a:t>2/13/18</a:t>
             </a:fld>
             <a:endParaRPr lang="en-US"/>
           </a:p>
@@ -3513,7 +3513,7 @@
           <a:p>
             <a:fld id="{414AF996-2D48-9849-ADD9-81794694F53C}" type="datetimeFigureOut">
               <a:rPr lang="en-US" smtClean="0"/>
-              <a:t>1/10/18</a:t>
+              <a:t>2/13/18</a:t>
             </a:fld>
             <a:endParaRPr lang="en-US"/>
           </a:p>
@@ -10021,7 +10021,37 @@
       </p:grpSpPr>
       <p:sp>
         <p:nvSpPr>
-          <p:cNvPr id="4" name="Rounded Rectangle 3"/>
+          <p:cNvPr id="60" name="TextBox 59"/>
+          <p:cNvSpPr txBox="1"/>
+          <p:nvPr/>
+        </p:nvSpPr>
+        <p:spPr>
+          <a:xfrm>
+            <a:off x="182364" y="131673"/>
+            <a:ext cx="11817957" cy="461665"/>
+          </a:xfrm>
+          <a:prstGeom prst="rect">
+            <a:avLst/>
+          </a:prstGeom>
+          <a:noFill/>
+        </p:spPr>
+        <p:txBody>
+          <a:bodyPr wrap="square" rtlCol="0">
+            <a:spAutoFit/>
+          </a:bodyPr>
+          <a:lstStyle/>
+          <a:p>
+            <a:r>
+              <a:rPr lang="en-US" sz="2400" b="1" dirty="0" smtClean="0"/>
+              <a:t>Kinds of Kubernetes &amp; Relationship between them</a:t>
+            </a:r>
+            <a:endParaRPr lang="en-US" sz="2400" b="1" dirty="0"/>
+          </a:p>
+        </p:txBody>
+      </p:sp>
+      <p:sp>
+        <p:nvSpPr>
+          <p:cNvPr id="138" name="Rounded Rectangle 137"/>
           <p:cNvSpPr/>
           <p:nvPr/>
         </p:nvSpPr>
@@ -10087,7 +10117,7 @@
       </p:sp>
       <p:sp>
         <p:nvSpPr>
-          <p:cNvPr id="6" name="Rectangle 5"/>
+          <p:cNvPr id="139" name="Rectangle 138"/>
           <p:cNvSpPr/>
           <p:nvPr/>
         </p:nvSpPr>
@@ -10099,9 +10129,7 @@
           <a:prstGeom prst="rect">
             <a:avLst/>
           </a:prstGeom>
-          <a:solidFill>
-            <a:schemeClr val="bg1"/>
-          </a:solidFill>
+          <a:noFill/>
           <a:ln>
             <a:solidFill>
               <a:schemeClr val="tx1"/>
@@ -10147,20 +10175,20 @@
       </p:sp>
       <p:sp>
         <p:nvSpPr>
-          <p:cNvPr id="7" name="TextBox 6"/>
+          <p:cNvPr id="140" name="TextBox 139"/>
           <p:cNvSpPr txBox="1"/>
           <p:nvPr/>
         </p:nvSpPr>
         <p:spPr>
           <a:xfrm>
             <a:off x="3993353" y="3865928"/>
-            <a:ext cx="1218603" cy="1061829"/>
+            <a:ext cx="1186543" cy="1061829"/>
           </a:xfrm>
           <a:prstGeom prst="rect">
             <a:avLst/>
           </a:prstGeom>
           <a:noFill/>
-          <a:ln>
+          <a:ln w="19050">
             <a:noFill/>
           </a:ln>
         </p:spPr>
@@ -10170,10 +10198,7 @@
           </a:bodyPr>
           <a:lstStyle/>
           <a:p>
-            <a:r>
-              <a:rPr lang="en-US" sz="900" dirty="0" smtClean="0"/>
-              <a:t>(Stateless application)</a:t>
-            </a:r>
+            <a:endParaRPr lang="en-US" sz="900" dirty="0" smtClean="0"/>
           </a:p>
           <a:p>
             <a:r>
@@ -10217,7 +10242,7 @@
       </p:sp>
       <p:sp>
         <p:nvSpPr>
-          <p:cNvPr id="8" name="Oval 7"/>
+          <p:cNvPr id="141" name="Oval 140"/>
           <p:cNvSpPr/>
           <p:nvPr/>
         </p:nvSpPr>
@@ -10260,7 +10285,7 @@
       </p:sp>
       <p:sp>
         <p:nvSpPr>
-          <p:cNvPr id="9" name="Rounded Rectangle 8"/>
+          <p:cNvPr id="142" name="Rounded Rectangle 141"/>
           <p:cNvSpPr/>
           <p:nvPr/>
         </p:nvSpPr>
@@ -10314,7 +10339,7 @@
       </p:sp>
       <p:sp>
         <p:nvSpPr>
-          <p:cNvPr id="10" name="Rectangle 9"/>
+          <p:cNvPr id="143" name="Rectangle 142"/>
           <p:cNvSpPr/>
           <p:nvPr/>
         </p:nvSpPr>
@@ -10327,9 +10352,9 @@
             <a:avLst/>
           </a:prstGeom>
           <a:noFill/>
-          <a:ln>
+          <a:ln w="19050">
             <a:solidFill>
-              <a:schemeClr val="tx1"/>
+              <a:srgbClr val="C00000"/>
             </a:solidFill>
           </a:ln>
         </p:spPr>
@@ -10372,7 +10397,7 @@
       </p:sp>
       <p:sp>
         <p:nvSpPr>
-          <p:cNvPr id="11" name="Rectangle 10"/>
+          <p:cNvPr id="144" name="Rectangle 143"/>
           <p:cNvSpPr/>
           <p:nvPr/>
         </p:nvSpPr>
@@ -10432,14 +10457,72 @@
       </p:sp>
       <p:sp>
         <p:nvSpPr>
-          <p:cNvPr id="12" name="Rectangle 11"/>
+          <p:cNvPr id="145" name="Rectangle 144"/>
           <p:cNvSpPr/>
           <p:nvPr/>
         </p:nvSpPr>
         <p:spPr>
           <a:xfrm>
-            <a:off x="5776467" y="3778690"/>
+            <a:off x="5776467" y="3827433"/>
             <a:ext cx="1435812" cy="377783"/>
+          </a:xfrm>
+          <a:prstGeom prst="rect">
+            <a:avLst/>
+          </a:prstGeom>
+          <a:noFill/>
+          <a:ln w="19050">
+            <a:solidFill>
+              <a:srgbClr val="C00000"/>
+            </a:solidFill>
+          </a:ln>
+        </p:spPr>
+        <p:style>
+          <a:lnRef idx="2">
+            <a:schemeClr val="accent1">
+              <a:shade val="50000"/>
+            </a:schemeClr>
+          </a:lnRef>
+          <a:fillRef idx="1">
+            <a:schemeClr val="accent1"/>
+          </a:fillRef>
+          <a:effectRef idx="0">
+            <a:schemeClr val="accent1"/>
+          </a:effectRef>
+          <a:fontRef idx="minor">
+            <a:schemeClr val="lt1"/>
+          </a:fontRef>
+        </p:style>
+        <p:txBody>
+          <a:bodyPr rtlCol="0" anchor="t"/>
+          <a:lstStyle/>
+          <a:p>
+            <a:pPr algn="ctr"/>
+            <a:r>
+              <a:rPr lang="en-US" sz="1400" b="1" i="1" dirty="0" err="1" smtClean="0">
+                <a:solidFill>
+                  <a:schemeClr val="tx1"/>
+                </a:solidFill>
+              </a:rPr>
+              <a:t>ReplicaSets</a:t>
+            </a:r>
+            <a:endParaRPr lang="en-US" sz="1200" i="1" dirty="0">
+              <a:solidFill>
+                <a:schemeClr val="tx1"/>
+              </a:solidFill>
+            </a:endParaRPr>
+          </a:p>
+        </p:txBody>
+      </p:sp>
+      <p:sp>
+        <p:nvSpPr>
+          <p:cNvPr id="146" name="Rectangle 145"/>
+          <p:cNvSpPr/>
+          <p:nvPr/>
+        </p:nvSpPr>
+        <p:spPr>
+          <a:xfrm>
+            <a:off x="5776467" y="3327680"/>
+            <a:ext cx="1435812" cy="380144"/>
           </a:xfrm>
           <a:prstGeom prst="rect">
             <a:avLst/>
@@ -10473,30 +10556,72 @@
           <a:p>
             <a:pPr algn="ctr"/>
             <a:r>
-              <a:rPr lang="en-US" sz="1400" b="1" i="1" dirty="0" err="1" smtClean="0">
+              <a:rPr lang="en-US" sz="1400" b="1" i="1" dirty="0" smtClean="0">
                 <a:solidFill>
                   <a:schemeClr val="tx1"/>
                 </a:solidFill>
               </a:rPr>
-              <a:t>ReplicaSets</a:t>
-            </a:r>
-            <a:endParaRPr lang="en-US" sz="1400" b="1" i="1" dirty="0" smtClean="0">
+              <a:t>ConfigMap</a:t>
+            </a:r>
+            <a:endParaRPr lang="en-US" sz="1400" b="1" i="1" dirty="0">
               <a:solidFill>
                 <a:schemeClr val="tx1"/>
               </a:solidFill>
             </a:endParaRPr>
           </a:p>
+        </p:txBody>
+      </p:sp>
+      <p:sp>
+        <p:nvSpPr>
+          <p:cNvPr id="147" name="Rectangle 146"/>
+          <p:cNvSpPr/>
+          <p:nvPr/>
+        </p:nvSpPr>
+        <p:spPr>
+          <a:xfrm>
+            <a:off x="10222786" y="2126751"/>
+            <a:ext cx="1469205" cy="1063377"/>
+          </a:xfrm>
+          <a:prstGeom prst="rect">
+            <a:avLst/>
+          </a:prstGeom>
+          <a:noFill/>
+          <a:ln w="19050">
+            <a:solidFill>
+              <a:srgbClr val="C00000"/>
+            </a:solidFill>
+          </a:ln>
+        </p:spPr>
+        <p:style>
+          <a:lnRef idx="2">
+            <a:schemeClr val="accent1">
+              <a:shade val="50000"/>
+            </a:schemeClr>
+          </a:lnRef>
+          <a:fillRef idx="1">
+            <a:schemeClr val="accent1"/>
+          </a:fillRef>
+          <a:effectRef idx="0">
+            <a:schemeClr val="accent1"/>
+          </a:effectRef>
+          <a:fontRef idx="minor">
+            <a:schemeClr val="lt1"/>
+          </a:fontRef>
+        </p:style>
+        <p:txBody>
+          <a:bodyPr rtlCol="0" anchor="t"/>
+          <a:lstStyle/>
           <a:p>
             <a:pPr algn="ctr"/>
             <a:r>
-              <a:rPr lang="en-US" sz="1000" i="1" dirty="0" smtClean="0">
+              <a:rPr lang="en-US" sz="1200" b="1" i="1" dirty="0" err="1" smtClean="0">
                 <a:solidFill>
                   <a:schemeClr val="tx1"/>
                 </a:solidFill>
               </a:rPr>
-              <a:t>(stateless application)</a:t>
-            </a:r>
-            <a:endParaRPr lang="en-US" sz="1200" i="1" dirty="0">
+              <a:t>StatefulSet</a:t>
+            </a:r>
+            <a:endParaRPr lang="en-US" sz="1200" b="1" i="1" dirty="0">
               <a:solidFill>
                 <a:schemeClr val="tx1"/>
               </a:solidFill>
@@ -10506,14 +10631,200 @@
       </p:sp>
       <p:sp>
         <p:nvSpPr>
-          <p:cNvPr id="13" name="Rectangle 12"/>
+          <p:cNvPr id="148" name="Rectangle 147"/>
           <p:cNvSpPr/>
           <p:nvPr/>
         </p:nvSpPr>
         <p:spPr>
           <a:xfrm>
-            <a:off x="5776467" y="3309685"/>
-            <a:ext cx="1435812" cy="380144"/>
+            <a:off x="10222787" y="3690439"/>
+            <a:ext cx="1387009" cy="890245"/>
+          </a:xfrm>
+          <a:prstGeom prst="rect">
+            <a:avLst/>
+          </a:prstGeom>
+          <a:solidFill>
+            <a:schemeClr val="accent4">
+              <a:lumMod val="20000"/>
+              <a:lumOff val="80000"/>
+            </a:schemeClr>
+          </a:solidFill>
+          <a:ln>
+            <a:solidFill>
+              <a:schemeClr val="tx1"/>
+            </a:solidFill>
+          </a:ln>
+        </p:spPr>
+        <p:style>
+          <a:lnRef idx="2">
+            <a:schemeClr val="accent1">
+              <a:shade val="50000"/>
+            </a:schemeClr>
+          </a:lnRef>
+          <a:fillRef idx="1">
+            <a:schemeClr val="accent1"/>
+          </a:fillRef>
+          <a:effectRef idx="0">
+            <a:schemeClr val="accent1"/>
+          </a:effectRef>
+          <a:fontRef idx="minor">
+            <a:schemeClr val="lt1"/>
+          </a:fontRef>
+        </p:style>
+        <p:txBody>
+          <a:bodyPr rtlCol="0" anchor="ctr"/>
+          <a:lstStyle/>
+          <a:p>
+            <a:pPr algn="ctr"/>
+            <a:r>
+              <a:rPr lang="en-US" sz="1400" b="1" i="1" dirty="0" smtClean="0">
+                <a:solidFill>
+                  <a:schemeClr val="tx1"/>
+                </a:solidFill>
+              </a:rPr>
+              <a:t>Persistent</a:t>
+            </a:r>
+          </a:p>
+          <a:p>
+            <a:pPr algn="ctr"/>
+            <a:r>
+              <a:rPr lang="en-US" sz="1400" b="1" i="1" dirty="0" smtClean="0">
+                <a:solidFill>
+                  <a:schemeClr val="tx1"/>
+                </a:solidFill>
+              </a:rPr>
+              <a:t>VolumeClaim</a:t>
+            </a:r>
+          </a:p>
+          <a:p>
+            <a:pPr algn="ctr"/>
+            <a:r>
+              <a:rPr lang="en-US" sz="1050" i="1" dirty="0" smtClean="0">
+                <a:solidFill>
+                  <a:schemeClr val="tx1"/>
+                </a:solidFill>
+              </a:rPr>
+              <a:t>(</a:t>
+            </a:r>
+            <a:r>
+              <a:rPr lang="en-US" sz="1050" i="1" dirty="0" err="1" smtClean="0">
+                <a:solidFill>
+                  <a:schemeClr val="tx1"/>
+                </a:solidFill>
+              </a:rPr>
+              <a:t>Size,Mode</a:t>
+            </a:r>
+            <a:r>
+              <a:rPr lang="en-US" sz="1050" i="1" dirty="0" smtClean="0">
+                <a:solidFill>
+                  <a:schemeClr val="tx1"/>
+                </a:solidFill>
+              </a:rPr>
+              <a:t>)</a:t>
+            </a:r>
+            <a:endParaRPr lang="en-US" sz="1050" i="1" dirty="0">
+              <a:solidFill>
+                <a:schemeClr val="tx1"/>
+              </a:solidFill>
+            </a:endParaRPr>
+          </a:p>
+        </p:txBody>
+      </p:sp>
+      <p:sp>
+        <p:nvSpPr>
+          <p:cNvPr id="149" name="Rectangle 148"/>
+          <p:cNvSpPr/>
+          <p:nvPr/>
+        </p:nvSpPr>
+        <p:spPr>
+          <a:xfrm>
+            <a:off x="10222786" y="4779552"/>
+            <a:ext cx="1387010" cy="575353"/>
+          </a:xfrm>
+          <a:prstGeom prst="rect">
+            <a:avLst/>
+          </a:prstGeom>
+          <a:solidFill>
+            <a:schemeClr val="accent4">
+              <a:lumMod val="20000"/>
+              <a:lumOff val="80000"/>
+            </a:schemeClr>
+          </a:solidFill>
+          <a:ln>
+            <a:solidFill>
+              <a:schemeClr val="tx1"/>
+            </a:solidFill>
+          </a:ln>
+        </p:spPr>
+        <p:style>
+          <a:lnRef idx="2">
+            <a:schemeClr val="accent1">
+              <a:shade val="50000"/>
+            </a:schemeClr>
+          </a:lnRef>
+          <a:fillRef idx="1">
+            <a:schemeClr val="accent1"/>
+          </a:fillRef>
+          <a:effectRef idx="0">
+            <a:schemeClr val="accent1"/>
+          </a:effectRef>
+          <a:fontRef idx="minor">
+            <a:schemeClr val="lt1"/>
+          </a:fontRef>
+        </p:style>
+        <p:txBody>
+          <a:bodyPr rtlCol="0" anchor="ctr"/>
+          <a:lstStyle/>
+          <a:p>
+            <a:pPr algn="ctr"/>
+            <a:r>
+              <a:rPr lang="en-US" sz="1400" b="1" i="1" dirty="0" smtClean="0">
+                <a:solidFill>
+                  <a:schemeClr val="tx1"/>
+                </a:solidFill>
+              </a:rPr>
+              <a:t>Persistent</a:t>
+            </a:r>
+          </a:p>
+          <a:p>
+            <a:pPr algn="ctr"/>
+            <a:r>
+              <a:rPr lang="en-US" sz="1400" b="1" i="1" dirty="0" smtClean="0">
+                <a:solidFill>
+                  <a:schemeClr val="tx1"/>
+                </a:solidFill>
+              </a:rPr>
+              <a:t>Volume</a:t>
+            </a:r>
+          </a:p>
+          <a:p>
+            <a:pPr algn="ctr"/>
+            <a:r>
+              <a:rPr lang="en-US" sz="1000" i="1" dirty="0" smtClean="0">
+                <a:solidFill>
+                  <a:schemeClr val="tx1"/>
+                </a:solidFill>
+              </a:rPr>
+              <a:t>(No NS)</a:t>
+            </a:r>
+            <a:endParaRPr lang="en-US" sz="1000" i="1" dirty="0">
+              <a:solidFill>
+                <a:schemeClr val="tx1"/>
+              </a:solidFill>
+            </a:endParaRPr>
+          </a:p>
+        </p:txBody>
+      </p:sp>
+      <p:sp>
+        <p:nvSpPr>
+          <p:cNvPr id="150" name="Rectangle 149"/>
+          <p:cNvSpPr/>
+          <p:nvPr/>
+        </p:nvSpPr>
+        <p:spPr>
+          <a:xfrm>
+            <a:off x="10222787" y="5416552"/>
+            <a:ext cx="1387010" cy="575353"/>
           </a:xfrm>
           <a:prstGeom prst="rect">
             <a:avLst/>
@@ -10552,9 +10863,20 @@
                   <a:schemeClr val="tx1"/>
                 </a:solidFill>
               </a:rPr>
-              <a:t>ConfigMap</a:t>
-            </a:r>
-            <a:endParaRPr lang="en-US" sz="1400" b="1" i="1" dirty="0">
+              <a:t>Node</a:t>
+            </a:r>
+          </a:p>
+          <a:p>
+            <a:pPr algn="ctr"/>
+            <a:r>
+              <a:rPr lang="en-US" sz="900" dirty="0" smtClean="0">
+                <a:solidFill>
+                  <a:schemeClr val="tx1"/>
+                </a:solidFill>
+              </a:rPr>
+              <a:t>(Node selector)</a:t>
+            </a:r>
+            <a:endParaRPr lang="en-US" sz="900" dirty="0">
               <a:solidFill>
                 <a:schemeClr val="tx1"/>
               </a:solidFill>
@@ -10564,14 +10886,14 @@
       </p:sp>
       <p:sp>
         <p:nvSpPr>
-          <p:cNvPr id="14" name="Rectangle 13"/>
+          <p:cNvPr id="151" name="Rectangle 150"/>
           <p:cNvSpPr/>
           <p:nvPr/>
         </p:nvSpPr>
         <p:spPr>
           <a:xfrm>
-            <a:off x="10222786" y="2126751"/>
-            <a:ext cx="1469205" cy="1063377"/>
+            <a:off x="10222787" y="6058578"/>
+            <a:ext cx="1387010" cy="336025"/>
           </a:xfrm>
           <a:prstGeom prst="rect">
             <a:avLst/>
@@ -10600,318 +10922,6 @@
           </a:fontRef>
         </p:style>
         <p:txBody>
-          <a:bodyPr rtlCol="0" anchor="t"/>
-          <a:lstStyle/>
-          <a:p>
-            <a:pPr algn="ctr"/>
-            <a:r>
-              <a:rPr lang="en-US" sz="1200" b="1" i="1" dirty="0" err="1" smtClean="0">
-                <a:solidFill>
-                  <a:schemeClr val="tx1"/>
-                </a:solidFill>
-              </a:rPr>
-              <a:t>StatefulSet</a:t>
-            </a:r>
-            <a:endParaRPr lang="en-US" sz="1200" b="1" i="1" dirty="0">
-              <a:solidFill>
-                <a:schemeClr val="tx1"/>
-              </a:solidFill>
-            </a:endParaRPr>
-          </a:p>
-        </p:txBody>
-      </p:sp>
-      <p:sp>
-        <p:nvSpPr>
-          <p:cNvPr id="15" name="Rectangle 14"/>
-          <p:cNvSpPr/>
-          <p:nvPr/>
-        </p:nvSpPr>
-        <p:spPr>
-          <a:xfrm>
-            <a:off x="10222787" y="3690439"/>
-            <a:ext cx="1387009" cy="890245"/>
-          </a:xfrm>
-          <a:prstGeom prst="rect">
-            <a:avLst/>
-          </a:prstGeom>
-          <a:solidFill>
-            <a:srgbClr val="FFFF00"/>
-          </a:solidFill>
-          <a:ln>
-            <a:solidFill>
-              <a:schemeClr val="tx1"/>
-            </a:solidFill>
-          </a:ln>
-        </p:spPr>
-        <p:style>
-          <a:lnRef idx="2">
-            <a:schemeClr val="accent1">
-              <a:shade val="50000"/>
-            </a:schemeClr>
-          </a:lnRef>
-          <a:fillRef idx="1">
-            <a:schemeClr val="accent1"/>
-          </a:fillRef>
-          <a:effectRef idx="0">
-            <a:schemeClr val="accent1"/>
-          </a:effectRef>
-          <a:fontRef idx="minor">
-            <a:schemeClr val="lt1"/>
-          </a:fontRef>
-        </p:style>
-        <p:txBody>
-          <a:bodyPr rtlCol="0" anchor="ctr"/>
-          <a:lstStyle/>
-          <a:p>
-            <a:pPr algn="ctr"/>
-            <a:r>
-              <a:rPr lang="en-US" sz="1400" b="1" i="1" dirty="0" smtClean="0">
-                <a:solidFill>
-                  <a:schemeClr val="tx1"/>
-                </a:solidFill>
-              </a:rPr>
-              <a:t>Persistent</a:t>
-            </a:r>
-          </a:p>
-          <a:p>
-            <a:pPr algn="ctr"/>
-            <a:r>
-              <a:rPr lang="en-US" sz="1400" b="1" i="1" dirty="0" err="1" smtClean="0">
-                <a:solidFill>
-                  <a:schemeClr val="tx1"/>
-                </a:solidFill>
-              </a:rPr>
-              <a:t>VolumeClaim</a:t>
-            </a:r>
-            <a:endParaRPr lang="en-US" sz="1400" b="1" i="1" dirty="0" smtClean="0">
-              <a:solidFill>
-                <a:schemeClr val="tx1"/>
-              </a:solidFill>
-            </a:endParaRPr>
-          </a:p>
-          <a:p>
-            <a:pPr algn="ctr"/>
-            <a:r>
-              <a:rPr lang="en-US" sz="1050" i="1" dirty="0" smtClean="0">
-                <a:solidFill>
-                  <a:schemeClr val="tx1"/>
-                </a:solidFill>
-              </a:rPr>
-              <a:t>(</a:t>
-            </a:r>
-            <a:r>
-              <a:rPr lang="en-US" sz="1050" i="1" dirty="0" err="1" smtClean="0">
-                <a:solidFill>
-                  <a:schemeClr val="tx1"/>
-                </a:solidFill>
-              </a:rPr>
-              <a:t>Size,Mode</a:t>
-            </a:r>
-            <a:r>
-              <a:rPr lang="en-US" sz="1050" i="1" dirty="0" smtClean="0">
-                <a:solidFill>
-                  <a:schemeClr val="tx1"/>
-                </a:solidFill>
-              </a:rPr>
-              <a:t>)</a:t>
-            </a:r>
-            <a:endParaRPr lang="en-US" sz="1050" i="1" dirty="0">
-              <a:solidFill>
-                <a:schemeClr val="tx1"/>
-              </a:solidFill>
-            </a:endParaRPr>
-          </a:p>
-        </p:txBody>
-      </p:sp>
-      <p:sp>
-        <p:nvSpPr>
-          <p:cNvPr id="16" name="Rectangle 15"/>
-          <p:cNvSpPr/>
-          <p:nvPr/>
-        </p:nvSpPr>
-        <p:spPr>
-          <a:xfrm>
-            <a:off x="10222786" y="4779552"/>
-            <a:ext cx="1387010" cy="575353"/>
-          </a:xfrm>
-          <a:prstGeom prst="rect">
-            <a:avLst/>
-          </a:prstGeom>
-          <a:solidFill>
-            <a:srgbClr val="FFFF00"/>
-          </a:solidFill>
-          <a:ln>
-            <a:solidFill>
-              <a:schemeClr val="tx1"/>
-            </a:solidFill>
-          </a:ln>
-        </p:spPr>
-        <p:style>
-          <a:lnRef idx="2">
-            <a:schemeClr val="accent1">
-              <a:shade val="50000"/>
-            </a:schemeClr>
-          </a:lnRef>
-          <a:fillRef idx="1">
-            <a:schemeClr val="accent1"/>
-          </a:fillRef>
-          <a:effectRef idx="0">
-            <a:schemeClr val="accent1"/>
-          </a:effectRef>
-          <a:fontRef idx="minor">
-            <a:schemeClr val="lt1"/>
-          </a:fontRef>
-        </p:style>
-        <p:txBody>
-          <a:bodyPr rtlCol="0" anchor="ctr"/>
-          <a:lstStyle/>
-          <a:p>
-            <a:pPr algn="ctr"/>
-            <a:r>
-              <a:rPr lang="en-US" sz="1400" b="1" i="1" dirty="0" smtClean="0">
-                <a:solidFill>
-                  <a:schemeClr val="tx1"/>
-                </a:solidFill>
-              </a:rPr>
-              <a:t>Persistent</a:t>
-            </a:r>
-          </a:p>
-          <a:p>
-            <a:pPr algn="ctr"/>
-            <a:r>
-              <a:rPr lang="en-US" sz="1400" b="1" i="1" dirty="0" smtClean="0">
-                <a:solidFill>
-                  <a:schemeClr val="tx1"/>
-                </a:solidFill>
-              </a:rPr>
-              <a:t>Volume</a:t>
-            </a:r>
-          </a:p>
-          <a:p>
-            <a:pPr algn="ctr"/>
-            <a:r>
-              <a:rPr lang="en-US" sz="1000" i="1" dirty="0" smtClean="0">
-                <a:solidFill>
-                  <a:schemeClr val="tx1"/>
-                </a:solidFill>
-              </a:rPr>
-              <a:t>(No NS)</a:t>
-            </a:r>
-            <a:endParaRPr lang="en-US" sz="1000" i="1" dirty="0">
-              <a:solidFill>
-                <a:schemeClr val="tx1"/>
-              </a:solidFill>
-            </a:endParaRPr>
-          </a:p>
-        </p:txBody>
-      </p:sp>
-      <p:sp>
-        <p:nvSpPr>
-          <p:cNvPr id="17" name="Rectangle 16"/>
-          <p:cNvSpPr/>
-          <p:nvPr/>
-        </p:nvSpPr>
-        <p:spPr>
-          <a:xfrm>
-            <a:off x="10222787" y="5416552"/>
-            <a:ext cx="1387010" cy="575353"/>
-          </a:xfrm>
-          <a:prstGeom prst="rect">
-            <a:avLst/>
-          </a:prstGeom>
-          <a:noFill/>
-          <a:ln>
-            <a:solidFill>
-              <a:schemeClr val="tx1"/>
-            </a:solidFill>
-          </a:ln>
-        </p:spPr>
-        <p:style>
-          <a:lnRef idx="2">
-            <a:schemeClr val="accent1">
-              <a:shade val="50000"/>
-            </a:schemeClr>
-          </a:lnRef>
-          <a:fillRef idx="1">
-            <a:schemeClr val="accent1"/>
-          </a:fillRef>
-          <a:effectRef idx="0">
-            <a:schemeClr val="accent1"/>
-          </a:effectRef>
-          <a:fontRef idx="minor">
-            <a:schemeClr val="lt1"/>
-          </a:fontRef>
-        </p:style>
-        <p:txBody>
-          <a:bodyPr rtlCol="0" anchor="ctr"/>
-          <a:lstStyle/>
-          <a:p>
-            <a:pPr algn="ctr"/>
-            <a:r>
-              <a:rPr lang="en-US" sz="1400" b="1" i="1" dirty="0" smtClean="0">
-                <a:solidFill>
-                  <a:schemeClr val="tx1"/>
-                </a:solidFill>
-              </a:rPr>
-              <a:t>Node</a:t>
-            </a:r>
-          </a:p>
-          <a:p>
-            <a:pPr algn="ctr"/>
-            <a:r>
-              <a:rPr lang="en-US" sz="900" dirty="0" smtClean="0">
-                <a:solidFill>
-                  <a:schemeClr val="tx1"/>
-                </a:solidFill>
-              </a:rPr>
-              <a:t>(Node selector)</a:t>
-            </a:r>
-            <a:endParaRPr lang="en-US" sz="900" dirty="0">
-              <a:solidFill>
-                <a:schemeClr val="tx1"/>
-              </a:solidFill>
-            </a:endParaRPr>
-          </a:p>
-        </p:txBody>
-      </p:sp>
-      <p:sp>
-        <p:nvSpPr>
-          <p:cNvPr id="18" name="Rectangle 17"/>
-          <p:cNvSpPr/>
-          <p:nvPr/>
-        </p:nvSpPr>
-        <p:spPr>
-          <a:xfrm>
-            <a:off x="10222787" y="6058578"/>
-            <a:ext cx="1387010" cy="336025"/>
-          </a:xfrm>
-          <a:prstGeom prst="rect">
-            <a:avLst/>
-          </a:prstGeom>
-          <a:noFill/>
-          <a:ln>
-            <a:solidFill>
-              <a:schemeClr val="tx1"/>
-            </a:solidFill>
-          </a:ln>
-        </p:spPr>
-        <p:style>
-          <a:lnRef idx="2">
-            <a:schemeClr val="accent1">
-              <a:shade val="50000"/>
-            </a:schemeClr>
-          </a:lnRef>
-          <a:fillRef idx="1">
-            <a:schemeClr val="accent1"/>
-          </a:fillRef>
-          <a:effectRef idx="0">
-            <a:schemeClr val="accent1"/>
-          </a:effectRef>
-          <a:fontRef idx="minor">
-            <a:schemeClr val="lt1"/>
-          </a:fontRef>
-        </p:style>
-        <p:txBody>
           <a:bodyPr rtlCol="0" anchor="ctr"/>
           <a:lstStyle/>
           <a:p>
@@ -10934,7 +10944,7 @@
       </p:sp>
       <p:sp>
         <p:nvSpPr>
-          <p:cNvPr id="19" name="Rectangle 18"/>
+          <p:cNvPr id="152" name="Rectangle 151"/>
           <p:cNvSpPr/>
           <p:nvPr/>
         </p:nvSpPr>
@@ -10993,7 +11003,7 @@
       </p:sp>
       <p:sp>
         <p:nvSpPr>
-          <p:cNvPr id="20" name="Rectangle 19"/>
+          <p:cNvPr id="153" name="Rectangle 152"/>
           <p:cNvSpPr/>
           <p:nvPr/>
         </p:nvSpPr>
@@ -11051,7 +11061,7 @@
       </p:sp>
       <p:sp>
         <p:nvSpPr>
-          <p:cNvPr id="21" name="Rectangle 20"/>
+          <p:cNvPr id="154" name="Rectangle 153"/>
           <p:cNvSpPr/>
           <p:nvPr/>
         </p:nvSpPr>
@@ -11109,7 +11119,7 @@
       </p:sp>
       <p:sp>
         <p:nvSpPr>
-          <p:cNvPr id="22" name="Rectangle 21"/>
+          <p:cNvPr id="155" name="Rectangle 154"/>
           <p:cNvSpPr/>
           <p:nvPr/>
         </p:nvSpPr>
@@ -11167,7 +11177,7 @@
       </p:sp>
       <p:sp>
         <p:nvSpPr>
-          <p:cNvPr id="23" name="Rectangle 22"/>
+          <p:cNvPr id="156" name="Rectangle 155"/>
           <p:cNvSpPr/>
           <p:nvPr/>
         </p:nvSpPr>
@@ -11276,7 +11286,7 @@
       </p:sp>
       <p:sp>
         <p:nvSpPr>
-          <p:cNvPr id="24" name="Rectangle 23"/>
+          <p:cNvPr id="157" name="Rectangle 156"/>
           <p:cNvSpPr/>
           <p:nvPr/>
         </p:nvSpPr>
@@ -11336,7 +11346,7 @@
       </p:sp>
       <p:sp>
         <p:nvSpPr>
-          <p:cNvPr id="25" name="Rectangle 24"/>
+          <p:cNvPr id="158" name="Rectangle 157"/>
           <p:cNvSpPr/>
           <p:nvPr/>
         </p:nvSpPr>
@@ -11412,7 +11422,7 @@
       </p:sp>
       <p:sp>
         <p:nvSpPr>
-          <p:cNvPr id="26" name="Rectangle 25"/>
+          <p:cNvPr id="159" name="Rectangle 158"/>
           <p:cNvSpPr/>
           <p:nvPr/>
         </p:nvSpPr>
@@ -11470,7 +11480,7 @@
       </p:sp>
       <p:sp>
         <p:nvSpPr>
-          <p:cNvPr id="27" name="Rectangle 26"/>
+          <p:cNvPr id="160" name="Rectangle 159"/>
           <p:cNvSpPr/>
           <p:nvPr/>
         </p:nvSpPr>
@@ -11530,7 +11540,7 @@
       </p:sp>
       <p:sp>
         <p:nvSpPr>
-          <p:cNvPr id="28" name="Can 27"/>
+          <p:cNvPr id="161" name="Can 160"/>
           <p:cNvSpPr/>
           <p:nvPr/>
         </p:nvSpPr>
@@ -11581,7 +11591,7 @@
       </p:sp>
       <p:sp>
         <p:nvSpPr>
-          <p:cNvPr id="29" name="Rectangle 28"/>
+          <p:cNvPr id="162" name="Rectangle 161"/>
           <p:cNvSpPr/>
           <p:nvPr/>
         </p:nvSpPr>
@@ -11639,7 +11649,7 @@
       </p:sp>
       <p:sp>
         <p:nvSpPr>
-          <p:cNvPr id="30" name="Rectangle 29"/>
+          <p:cNvPr id="163" name="Rectangle 162"/>
           <p:cNvSpPr/>
           <p:nvPr/>
         </p:nvSpPr>
@@ -11697,7 +11707,7 @@
       </p:sp>
       <p:sp>
         <p:nvSpPr>
-          <p:cNvPr id="31" name="Rectangle 30"/>
+          <p:cNvPr id="164" name="Rectangle 163"/>
           <p:cNvSpPr/>
           <p:nvPr/>
         </p:nvSpPr>
@@ -11744,7 +11754,7 @@
       </p:sp>
       <p:sp>
         <p:nvSpPr>
-          <p:cNvPr id="32" name="Rounded Rectangle 31"/>
+          <p:cNvPr id="165" name="Rounded Rectangle 164"/>
           <p:cNvSpPr/>
           <p:nvPr/>
         </p:nvSpPr>
@@ -11804,7 +11814,7 @@
       </p:sp>
       <p:sp>
         <p:nvSpPr>
-          <p:cNvPr id="33" name="Rounded Rectangle 32"/>
+          <p:cNvPr id="166" name="Rounded Rectangle 165"/>
           <p:cNvSpPr/>
           <p:nvPr/>
         </p:nvSpPr>
@@ -11864,7 +11874,7 @@
       </p:sp>
       <p:sp>
         <p:nvSpPr>
-          <p:cNvPr id="34" name="Rounded Rectangle 33"/>
+          <p:cNvPr id="167" name="Rounded Rectangle 166"/>
           <p:cNvSpPr/>
           <p:nvPr/>
         </p:nvSpPr>
@@ -11916,7 +11926,7 @@
       </p:sp>
       <p:sp>
         <p:nvSpPr>
-          <p:cNvPr id="35" name="Rounded Rectangle 34"/>
+          <p:cNvPr id="168" name="Rounded Rectangle 167"/>
           <p:cNvSpPr/>
           <p:nvPr/>
         </p:nvSpPr>
@@ -11962,7 +11972,7 @@
       </p:sp>
       <p:sp>
         <p:nvSpPr>
-          <p:cNvPr id="36" name="Rounded Rectangle 35"/>
+          <p:cNvPr id="169" name="Rounded Rectangle 168"/>
           <p:cNvSpPr/>
           <p:nvPr/>
         </p:nvSpPr>
@@ -12024,7 +12034,7 @@
       </p:sp>
       <p:sp>
         <p:nvSpPr>
-          <p:cNvPr id="37" name="TextBox 36"/>
+          <p:cNvPr id="170" name="TextBox 169"/>
           <p:cNvSpPr txBox="1"/>
           <p:nvPr/>
         </p:nvSpPr>
@@ -12065,7 +12075,7 @@
       </p:sp>
       <p:sp>
         <p:nvSpPr>
-          <p:cNvPr id="38" name="TextBox 37"/>
+          <p:cNvPr id="171" name="TextBox 170"/>
           <p:cNvSpPr txBox="1"/>
           <p:nvPr/>
         </p:nvSpPr>
@@ -12130,11 +12140,8 @@
       </p:sp>
       <p:cxnSp>
         <p:nvCxnSpPr>
-          <p:cNvPr id="39" name="Elbow Connector 38"/>
-          <p:cNvCxnSpPr>
-            <a:stCxn id="47" idx="2"/>
-            <a:endCxn id="12" idx="0"/>
-          </p:cNvCxnSpPr>
+          <p:cNvPr id="172" name="Elbow Connector 171"/>
+          <p:cNvCxnSpPr/>
           <p:nvPr/>
         </p:nvCxnSpPr>
         <p:spPr>
@@ -12173,7 +12180,7 @@
       </p:cxnSp>
       <p:sp>
         <p:nvSpPr>
-          <p:cNvPr id="40" name="TextBox 39"/>
+          <p:cNvPr id="173" name="TextBox 172"/>
           <p:cNvSpPr txBox="1"/>
           <p:nvPr/>
         </p:nvSpPr>
@@ -12203,14 +12210,14 @@
       </p:sp>
       <p:sp>
         <p:nvSpPr>
-          <p:cNvPr id="42" name="Rounded Rectangle 41"/>
+          <p:cNvPr id="174" name="Rounded Rectangle 173"/>
           <p:cNvSpPr/>
           <p:nvPr/>
         </p:nvSpPr>
         <p:spPr>
           <a:xfrm>
-            <a:off x="10289566" y="1930797"/>
-            <a:ext cx="1320231" cy="256855"/>
+            <a:off x="10289565" y="2014209"/>
+            <a:ext cx="1320231" cy="165305"/>
           </a:xfrm>
           <a:prstGeom prst="roundRect">
             <a:avLst/>
@@ -12251,14 +12258,14 @@
             <a:r>
               <a:rPr lang="en-US" sz="800" smtClean="0">
                 <a:solidFill>
-                  <a:schemeClr val="tx1"/>
+                  <a:srgbClr val="0070C0"/>
                 </a:solidFill>
               </a:rPr>
               <a:t>Headless service</a:t>
             </a:r>
             <a:endParaRPr lang="en-US" sz="800">
               <a:solidFill>
-                <a:schemeClr val="tx1"/>
+                <a:srgbClr val="0070C0"/>
               </a:solidFill>
             </a:endParaRPr>
           </a:p>
@@ -12266,7 +12273,7 @@
       </p:sp>
       <p:sp>
         <p:nvSpPr>
-          <p:cNvPr id="43" name="TextBox 42"/>
+          <p:cNvPr id="175" name="TextBox 174"/>
           <p:cNvSpPr txBox="1"/>
           <p:nvPr/>
         </p:nvSpPr>
@@ -12350,11 +12357,8 @@
       </p:sp>
       <p:cxnSp>
         <p:nvCxnSpPr>
-          <p:cNvPr id="44" name="Straight Arrow Connector 43"/>
-          <p:cNvCxnSpPr>
-            <a:stCxn id="28" idx="2"/>
-            <a:endCxn id="29" idx="0"/>
-          </p:cNvCxnSpPr>
+          <p:cNvPr id="176" name="Straight Arrow Connector 175"/>
+          <p:cNvCxnSpPr/>
           <p:nvPr/>
         </p:nvCxnSpPr>
         <p:spPr>
@@ -12393,7 +12397,7 @@
       </p:cxnSp>
       <p:sp>
         <p:nvSpPr>
-          <p:cNvPr id="45" name="TextBox 44"/>
+          <p:cNvPr id="177" name="TextBox 176"/>
           <p:cNvSpPr txBox="1"/>
           <p:nvPr/>
         </p:nvSpPr>
@@ -12434,7 +12438,7 @@
       </p:sp>
       <p:sp>
         <p:nvSpPr>
-          <p:cNvPr id="46" name="Rectangle 45"/>
+          <p:cNvPr id="178" name="Rectangle 177"/>
           <p:cNvSpPr/>
           <p:nvPr/>
         </p:nvSpPr>
@@ -12446,9 +12450,7 @@
           <a:prstGeom prst="rect">
             <a:avLst/>
           </a:prstGeom>
-          <a:solidFill>
-            <a:schemeClr val="bg1"/>
-          </a:solidFill>
+          <a:noFill/>
           <a:ln>
             <a:solidFill>
               <a:schemeClr val="tx1">
@@ -12533,11 +12535,8 @@
       </p:sp>
       <p:cxnSp>
         <p:nvCxnSpPr>
-          <p:cNvPr id="47" name="Elbow Connector 46"/>
-          <p:cNvCxnSpPr>
-            <a:stCxn id="16" idx="3"/>
-            <a:endCxn id="17" idx="3"/>
-          </p:cNvCxnSpPr>
+          <p:cNvPr id="179" name="Elbow Connector 178"/>
+          <p:cNvCxnSpPr/>
           <p:nvPr/>
         </p:nvCxnSpPr>
         <p:spPr>
@@ -12578,11 +12577,8 @@
       </p:cxnSp>
       <p:cxnSp>
         <p:nvCxnSpPr>
-          <p:cNvPr id="48" name="Straight Arrow Connector 47"/>
-          <p:cNvCxnSpPr>
-            <a:stCxn id="17" idx="2"/>
-            <a:endCxn id="18" idx="0"/>
-          </p:cNvCxnSpPr>
+          <p:cNvPr id="180" name="Straight Arrow Connector 179"/>
+          <p:cNvCxnSpPr/>
           <p:nvPr/>
         </p:nvCxnSpPr>
         <p:spPr>
@@ -12617,11 +12613,8 @@
       </p:cxnSp>
       <p:cxnSp>
         <p:nvCxnSpPr>
-          <p:cNvPr id="49" name="Elbow Connector 48"/>
-          <p:cNvCxnSpPr>
-            <a:stCxn id="55" idx="0"/>
-            <a:endCxn id="108" idx="4"/>
-          </p:cNvCxnSpPr>
+          <p:cNvPr id="181" name="Elbow Connector 180"/>
+          <p:cNvCxnSpPr/>
           <p:nvPr/>
         </p:nvCxnSpPr>
         <p:spPr>
@@ -12658,11 +12651,8 @@
       </p:cxnSp>
       <p:cxnSp>
         <p:nvCxnSpPr>
-          <p:cNvPr id="50" name="Straight Arrow Connector 49"/>
-          <p:cNvCxnSpPr>
-            <a:stCxn id="30" idx="3"/>
-            <a:endCxn id="31" idx="1"/>
-          </p:cNvCxnSpPr>
+          <p:cNvPr id="182" name="Straight Arrow Connector 181"/>
+          <p:cNvCxnSpPr/>
           <p:nvPr/>
         </p:nvCxnSpPr>
         <p:spPr>
@@ -12698,11 +12688,8 @@
       </p:cxnSp>
       <p:cxnSp>
         <p:nvCxnSpPr>
-          <p:cNvPr id="51" name="Straight Arrow Connector 50"/>
-          <p:cNvCxnSpPr>
-            <a:stCxn id="34" idx="3"/>
-            <a:endCxn id="35" idx="1"/>
-          </p:cNvCxnSpPr>
+          <p:cNvPr id="183" name="Straight Arrow Connector 182"/>
+          <p:cNvCxnSpPr/>
           <p:nvPr/>
         </p:nvCxnSpPr>
         <p:spPr>
@@ -12738,11 +12725,8 @@
       </p:cxnSp>
       <p:cxnSp>
         <p:nvCxnSpPr>
-          <p:cNvPr id="52" name="Elbow Connector 51"/>
-          <p:cNvCxnSpPr>
-            <a:stCxn id="35" idx="3"/>
-            <a:endCxn id="36" idx="3"/>
-          </p:cNvCxnSpPr>
+          <p:cNvPr id="184" name="Elbow Connector 183"/>
+          <p:cNvCxnSpPr/>
           <p:nvPr/>
         </p:nvCxnSpPr>
         <p:spPr>
@@ -12781,11 +12765,8 @@
       </p:cxnSp>
       <p:cxnSp>
         <p:nvCxnSpPr>
-          <p:cNvPr id="53" name="Elbow Connector 52"/>
-          <p:cNvCxnSpPr>
-            <a:stCxn id="106" idx="0"/>
-            <a:endCxn id="34" idx="1"/>
-          </p:cNvCxnSpPr>
+          <p:cNvPr id="185" name="Elbow Connector 184"/>
+          <p:cNvCxnSpPr/>
           <p:nvPr/>
         </p:nvCxnSpPr>
         <p:spPr>
@@ -12824,7 +12805,7 @@
       </p:cxnSp>
       <p:sp>
         <p:nvSpPr>
-          <p:cNvPr id="54" name="Oval 53"/>
+          <p:cNvPr id="186" name="Oval 185"/>
           <p:cNvSpPr/>
           <p:nvPr/>
         </p:nvSpPr>
@@ -12870,17 +12851,14 @@
       </p:sp>
       <p:cxnSp>
         <p:nvCxnSpPr>
-          <p:cNvPr id="55" name="Straight Arrow Connector 54"/>
-          <p:cNvCxnSpPr>
-            <a:stCxn id="12" idx="2"/>
-            <a:endCxn id="15" idx="0"/>
-          </p:cNvCxnSpPr>
+          <p:cNvPr id="187" name="Straight Arrow Connector 186"/>
+          <p:cNvCxnSpPr/>
           <p:nvPr/>
         </p:nvCxnSpPr>
         <p:spPr>
           <a:xfrm flipH="1">
             <a:off x="6494373" y="3154354"/>
-            <a:ext cx="418" cy="155331"/>
+            <a:ext cx="418" cy="213081"/>
           </a:xfrm>
           <a:prstGeom prst="straightConnector1">
             <a:avLst/>
@@ -12909,7 +12887,7 @@
       </p:cxnSp>
       <p:sp>
         <p:nvSpPr>
-          <p:cNvPr id="56" name="Rectangle 55"/>
+          <p:cNvPr id="188" name="Rectangle 187"/>
           <p:cNvSpPr/>
           <p:nvPr/>
         </p:nvSpPr>
@@ -12978,11 +12956,8 @@
       </p:sp>
       <p:cxnSp>
         <p:nvCxnSpPr>
-          <p:cNvPr id="57" name="Straight Arrow Connector 56"/>
-          <p:cNvCxnSpPr>
-            <a:stCxn id="28" idx="3"/>
-            <a:endCxn id="27" idx="1"/>
-          </p:cNvCxnSpPr>
+          <p:cNvPr id="189" name="Straight Arrow Connector 188"/>
+          <p:cNvCxnSpPr/>
           <p:nvPr/>
         </p:nvCxnSpPr>
         <p:spPr>
@@ -13018,11 +12993,8 @@
       </p:cxnSp>
       <p:cxnSp>
         <p:nvCxnSpPr>
-          <p:cNvPr id="58" name="Straight Arrow Connector 57"/>
-          <p:cNvCxnSpPr>
-            <a:stCxn id="37" idx="2"/>
-            <a:endCxn id="39" idx="0"/>
-          </p:cNvCxnSpPr>
+          <p:cNvPr id="190" name="Straight Arrow Connector 189"/>
+          <p:cNvCxnSpPr/>
           <p:nvPr/>
         </p:nvCxnSpPr>
         <p:spPr>
@@ -13061,7 +13033,7 @@
       </p:cxnSp>
       <p:sp>
         <p:nvSpPr>
-          <p:cNvPr id="59" name="Rectangle 58"/>
+          <p:cNvPr id="191" name="Rectangle 190"/>
           <p:cNvSpPr/>
           <p:nvPr/>
         </p:nvSpPr>
@@ -13121,37 +13093,7 @@
       </p:sp>
       <p:sp>
         <p:nvSpPr>
-          <p:cNvPr id="60" name="TextBox 59"/>
-          <p:cNvSpPr txBox="1"/>
-          <p:nvPr/>
-        </p:nvSpPr>
-        <p:spPr>
-          <a:xfrm>
-            <a:off x="182364" y="131673"/>
-            <a:ext cx="11817957" cy="461665"/>
-          </a:xfrm>
-          <a:prstGeom prst="rect">
-            <a:avLst/>
-          </a:prstGeom>
-          <a:noFill/>
-        </p:spPr>
-        <p:txBody>
-          <a:bodyPr wrap="square" rtlCol="0">
-            <a:spAutoFit/>
-          </a:bodyPr>
-          <a:lstStyle/>
-          <a:p>
-            <a:r>
-              <a:rPr lang="en-US" sz="2400" b="1" dirty="0" smtClean="0"/>
-              <a:t>Kinds of Kubernetes &amp; Relationship between them</a:t>
-            </a:r>
-            <a:endParaRPr lang="en-US" sz="2400" b="1" dirty="0"/>
-          </a:p>
-        </p:txBody>
-      </p:sp>
-      <p:sp>
-        <p:nvSpPr>
-          <p:cNvPr id="61" name="Rectangle 60"/>
+          <p:cNvPr id="192" name="Rectangle 191"/>
           <p:cNvSpPr/>
           <p:nvPr/>
         </p:nvSpPr>
@@ -13213,7 +13155,7 @@
       </p:sp>
       <p:sp>
         <p:nvSpPr>
-          <p:cNvPr id="62" name="Rectangle 61"/>
+          <p:cNvPr id="193" name="Rectangle 192"/>
           <p:cNvSpPr/>
           <p:nvPr/>
         </p:nvSpPr>
@@ -13272,10 +13214,8 @@
       </p:sp>
       <p:cxnSp>
         <p:nvCxnSpPr>
-          <p:cNvPr id="63" name="Elbow Connector 62"/>
-          <p:cNvCxnSpPr>
-            <a:endCxn id="38" idx="3"/>
-          </p:cNvCxnSpPr>
+          <p:cNvPr id="194" name="Elbow Connector 193"/>
+          <p:cNvCxnSpPr/>
           <p:nvPr/>
         </p:nvCxnSpPr>
         <p:spPr>
@@ -13313,10 +13253,8 @@
       </p:cxnSp>
       <p:cxnSp>
         <p:nvCxnSpPr>
-          <p:cNvPr id="64" name="Straight Arrow Connector 63"/>
-          <p:cNvCxnSpPr>
-            <a:stCxn id="46" idx="2"/>
-          </p:cNvCxnSpPr>
+          <p:cNvPr id="195" name="Straight Arrow Connector 194"/>
+          <p:cNvCxnSpPr/>
           <p:nvPr/>
         </p:nvCxnSpPr>
         <p:spPr>
@@ -13354,7 +13292,7 @@
       </p:cxnSp>
       <p:sp>
         <p:nvSpPr>
-          <p:cNvPr id="65" name="Rectangle 64"/>
+          <p:cNvPr id="196" name="Rectangle 195"/>
           <p:cNvSpPr/>
           <p:nvPr/>
         </p:nvSpPr>
@@ -13434,10 +13372,8 @@
       </p:sp>
       <p:cxnSp>
         <p:nvCxnSpPr>
-          <p:cNvPr id="66" name="Straight Arrow Connector 65"/>
-          <p:cNvCxnSpPr>
-            <a:endCxn id="28" idx="0"/>
-          </p:cNvCxnSpPr>
+          <p:cNvPr id="197" name="Straight Arrow Connector 196"/>
+          <p:cNvCxnSpPr/>
           <p:nvPr/>
         </p:nvCxnSpPr>
         <p:spPr>
@@ -13476,7 +13412,7 @@
       </p:cxnSp>
       <p:sp>
         <p:nvSpPr>
-          <p:cNvPr id="67" name="TextBox 66"/>
+          <p:cNvPr id="198" name="TextBox 197"/>
           <p:cNvSpPr txBox="1"/>
           <p:nvPr/>
         </p:nvSpPr>
@@ -13509,7 +13445,7 @@
       </p:sp>
       <p:sp>
         <p:nvSpPr>
-          <p:cNvPr id="68" name="Frame 67"/>
+          <p:cNvPr id="199" name="Frame 198"/>
           <p:cNvSpPr/>
           <p:nvPr/>
         </p:nvSpPr>
@@ -13575,7 +13511,7 @@
       </p:sp>
       <p:sp>
         <p:nvSpPr>
-          <p:cNvPr id="69" name="Frame 68"/>
+          <p:cNvPr id="200" name="Frame 199"/>
           <p:cNvSpPr/>
           <p:nvPr/>
         </p:nvSpPr>
@@ -13641,7 +13577,7 @@
       </p:sp>
       <p:sp>
         <p:nvSpPr>
-          <p:cNvPr id="70" name="Frame 69"/>
+          <p:cNvPr id="201" name="Frame 200"/>
           <p:cNvSpPr/>
           <p:nvPr/>
         </p:nvSpPr>
@@ -13707,7 +13643,7 @@
       </p:sp>
       <p:sp>
         <p:nvSpPr>
-          <p:cNvPr id="71" name="Arc 70"/>
+          <p:cNvPr id="202" name="Arc 201"/>
           <p:cNvSpPr/>
           <p:nvPr/>
         </p:nvSpPr>
@@ -13762,7 +13698,7 @@
       </p:sp>
       <p:sp>
         <p:nvSpPr>
-          <p:cNvPr id="72" name="Oval 71"/>
+          <p:cNvPr id="203" name="Oval 202"/>
           <p:cNvSpPr/>
           <p:nvPr/>
         </p:nvSpPr>
@@ -13808,10 +13744,8 @@
       </p:sp>
       <p:cxnSp>
         <p:nvCxnSpPr>
-          <p:cNvPr id="73" name="Elbow Connector 72"/>
-          <p:cNvCxnSpPr>
-            <a:stCxn id="10" idx="3"/>
-          </p:cNvCxnSpPr>
+          <p:cNvPr id="204" name="Elbow Connector 203"/>
+          <p:cNvCxnSpPr/>
           <p:nvPr/>
         </p:nvCxnSpPr>
         <p:spPr>
@@ -13846,21 +13780,18 @@
       </p:cxnSp>
       <p:cxnSp>
         <p:nvCxnSpPr>
-          <p:cNvPr id="74" name="Elbow Connector 73"/>
-          <p:cNvCxnSpPr>
-            <a:stCxn id="10" idx="3"/>
-            <a:endCxn id="14" idx="1"/>
-          </p:cNvCxnSpPr>
+          <p:cNvPr id="205" name="Elbow Connector 204"/>
+          <p:cNvCxnSpPr/>
           <p:nvPr/>
         </p:nvCxnSpPr>
         <p:spPr>
           <a:xfrm flipV="1">
-            <a:off x="5242239" y="3967582"/>
-            <a:ext cx="534228" cy="304988"/>
+            <a:off x="5242239" y="4016325"/>
+            <a:ext cx="534228" cy="256245"/>
           </a:xfrm>
           <a:prstGeom prst="bentConnector3">
             <a:avLst>
-              <a:gd name="adj1" fmla="val 50000"/>
+              <a:gd name="adj1" fmla="val 46916"/>
             </a:avLst>
           </a:prstGeom>
           <a:ln>
@@ -13887,50 +13818,8 @@
       </p:cxnSp>
       <p:cxnSp>
         <p:nvCxnSpPr>
-          <p:cNvPr id="75" name="Straight Arrow Connector 74"/>
-          <p:cNvCxnSpPr>
-            <a:stCxn id="120" idx="0"/>
-            <a:endCxn id="14" idx="2"/>
-          </p:cNvCxnSpPr>
-          <p:nvPr/>
-        </p:nvCxnSpPr>
-        <p:spPr>
-          <a:xfrm flipH="1" flipV="1">
-            <a:off x="6494373" y="4156473"/>
-            <a:ext cx="4176" cy="366963"/>
-          </a:xfrm>
-          <a:prstGeom prst="straightConnector1">
-            <a:avLst/>
-          </a:prstGeom>
-          <a:ln>
-            <a:solidFill>
-              <a:schemeClr val="tx1"/>
-            </a:solidFill>
-            <a:tailEnd type="triangle"/>
-          </a:ln>
-        </p:spPr>
-        <p:style>
-          <a:lnRef idx="1">
-            <a:schemeClr val="accent1"/>
-          </a:lnRef>
-          <a:fillRef idx="0">
-            <a:schemeClr val="accent1"/>
-          </a:fillRef>
-          <a:effectRef idx="0">
-            <a:schemeClr val="accent1"/>
-          </a:effectRef>
-          <a:fontRef idx="minor">
-            <a:schemeClr val="tx1"/>
-          </a:fontRef>
-        </p:style>
-      </p:cxnSp>
-      <p:cxnSp>
-        <p:nvCxnSpPr>
-          <p:cNvPr id="76" name="Straight Arrow Connector 75"/>
-          <p:cNvCxnSpPr>
-            <a:stCxn id="27" idx="2"/>
-            <a:endCxn id="31" idx="0"/>
-          </p:cNvCxnSpPr>
+          <p:cNvPr id="206" name="Straight Arrow Connector 205"/>
+          <p:cNvCxnSpPr/>
           <p:nvPr/>
         </p:nvCxnSpPr>
         <p:spPr>
@@ -13966,16 +13855,14 @@
       </p:cxnSp>
       <p:cxnSp>
         <p:nvCxnSpPr>
-          <p:cNvPr id="77" name="Elbow Connector 76"/>
-          <p:cNvCxnSpPr>
-            <a:stCxn id="14" idx="3"/>
-          </p:cNvCxnSpPr>
+          <p:cNvPr id="207" name="Elbow Connector 206"/>
+          <p:cNvCxnSpPr/>
           <p:nvPr/>
         </p:nvCxnSpPr>
         <p:spPr>
           <a:xfrm flipV="1">
             <a:off x="7212279" y="3148667"/>
-            <a:ext cx="831001" cy="818915"/>
+            <a:ext cx="831001" cy="867658"/>
           </a:xfrm>
           <a:prstGeom prst="bentConnector2">
             <a:avLst/>
@@ -14004,11 +13891,8 @@
       </p:cxnSp>
       <p:cxnSp>
         <p:nvCxnSpPr>
-          <p:cNvPr id="78" name="Straight Arrow Connector 77"/>
-          <p:cNvCxnSpPr>
-            <a:stCxn id="12" idx="3"/>
-            <a:endCxn id="13" idx="1"/>
-          </p:cNvCxnSpPr>
+          <p:cNvPr id="208" name="Straight Arrow Connector 207"/>
+          <p:cNvCxnSpPr/>
           <p:nvPr/>
         </p:nvCxnSpPr>
         <p:spPr>
@@ -14044,7 +13928,7 @@
       </p:cxnSp>
       <p:sp>
         <p:nvSpPr>
-          <p:cNvPr id="79" name="Oval 78"/>
+          <p:cNvPr id="209" name="Oval 208"/>
           <p:cNvSpPr/>
           <p:nvPr/>
         </p:nvSpPr>
@@ -14090,7 +13974,7 @@
       </p:sp>
       <p:sp>
         <p:nvSpPr>
-          <p:cNvPr id="80" name="Rectangle 79"/>
+          <p:cNvPr id="210" name="Rectangle 209"/>
           <p:cNvSpPr/>
           <p:nvPr/>
         </p:nvSpPr>
@@ -14148,7 +14032,7 @@
       </p:sp>
       <p:sp>
         <p:nvSpPr>
-          <p:cNvPr id="81" name="Rectangle 80"/>
+          <p:cNvPr id="211" name="Rectangle 210"/>
           <p:cNvSpPr/>
           <p:nvPr/>
         </p:nvSpPr>
@@ -14208,7 +14092,7 @@
       </p:sp>
       <p:sp>
         <p:nvSpPr>
-          <p:cNvPr id="82" name="Rectangle 81"/>
+          <p:cNvPr id="212" name="Rectangle 211"/>
           <p:cNvSpPr/>
           <p:nvPr/>
         </p:nvSpPr>
@@ -14268,11 +14152,8 @@
       </p:sp>
       <p:cxnSp>
         <p:nvCxnSpPr>
-          <p:cNvPr id="83" name="Straight Arrow Connector 82"/>
-          <p:cNvCxnSpPr>
-            <a:stCxn id="22" idx="3"/>
-            <a:endCxn id="23" idx="1"/>
-          </p:cNvCxnSpPr>
+          <p:cNvPr id="213" name="Straight Arrow Connector 212"/>
+          <p:cNvCxnSpPr/>
           <p:nvPr/>
         </p:nvCxnSpPr>
         <p:spPr>
@@ -14308,7 +14189,7 @@
       </p:cxnSp>
       <p:sp>
         <p:nvSpPr>
-          <p:cNvPr id="84" name="Rectangle 83"/>
+          <p:cNvPr id="214" name="Rectangle 213"/>
           <p:cNvSpPr/>
           <p:nvPr/>
         </p:nvSpPr>
@@ -14371,7 +14252,7 @@
       </p:sp>
       <p:sp>
         <p:nvSpPr>
-          <p:cNvPr id="85" name="Rectangle 84"/>
+          <p:cNvPr id="215" name="Rectangle 214"/>
           <p:cNvSpPr/>
           <p:nvPr/>
         </p:nvSpPr>
@@ -14431,11 +14312,8 @@
       </p:sp>
       <p:cxnSp>
         <p:nvCxnSpPr>
-          <p:cNvPr id="86" name="Straight Arrow Connector 85"/>
-          <p:cNvCxnSpPr>
-            <a:stCxn id="9" idx="3"/>
-            <a:endCxn id="12" idx="1"/>
-          </p:cNvCxnSpPr>
+          <p:cNvPr id="216" name="Straight Arrow Connector 215"/>
+          <p:cNvCxnSpPr/>
           <p:nvPr/>
         </p:nvCxnSpPr>
         <p:spPr>
@@ -14471,11 +14349,8 @@
       </p:cxnSp>
       <p:cxnSp>
         <p:nvCxnSpPr>
-          <p:cNvPr id="87" name="Straight Arrow Connector 86"/>
-          <p:cNvCxnSpPr>
-            <a:stCxn id="26" idx="2"/>
-            <a:endCxn id="9" idx="0"/>
-          </p:cNvCxnSpPr>
+          <p:cNvPr id="217" name="Straight Arrow Connector 216"/>
+          <p:cNvCxnSpPr/>
           <p:nvPr/>
         </p:nvCxnSpPr>
         <p:spPr>
@@ -14510,7 +14385,7 @@
       </p:cxnSp>
       <p:sp>
         <p:nvSpPr>
-          <p:cNvPr id="88" name="TextBox 87"/>
+          <p:cNvPr id="218" name="TextBox 217"/>
           <p:cNvSpPr txBox="1"/>
           <p:nvPr/>
         </p:nvSpPr>
@@ -14549,7 +14424,7 @@
       </p:sp>
       <p:sp>
         <p:nvSpPr>
-          <p:cNvPr id="89" name="TextBox 88"/>
+          <p:cNvPr id="219" name="TextBox 218"/>
           <p:cNvSpPr txBox="1"/>
           <p:nvPr/>
         </p:nvSpPr>
@@ -14595,7 +14470,7 @@
       </p:sp>
       <p:sp>
         <p:nvSpPr>
-          <p:cNvPr id="90" name="Rectangle 89"/>
+          <p:cNvPr id="220" name="Rectangle 219"/>
           <p:cNvSpPr/>
           <p:nvPr/>
         </p:nvSpPr>
@@ -14664,7 +14539,7 @@
       </p:sp>
       <p:sp>
         <p:nvSpPr>
-          <p:cNvPr id="91" name="Rectangle 90"/>
+          <p:cNvPr id="221" name="Rectangle 220"/>
           <p:cNvSpPr/>
           <p:nvPr/>
         </p:nvSpPr>
@@ -14735,7 +14610,7 @@
       </p:sp>
       <p:sp>
         <p:nvSpPr>
-          <p:cNvPr id="92" name="Rectangle 91"/>
+          <p:cNvPr id="222" name="Rectangle 221"/>
           <p:cNvSpPr/>
           <p:nvPr/>
         </p:nvSpPr>
@@ -14804,7 +14679,7 @@
       </p:sp>
       <p:sp>
         <p:nvSpPr>
-          <p:cNvPr id="93" name="Rectangle 92"/>
+          <p:cNvPr id="223" name="Rectangle 222"/>
           <p:cNvSpPr/>
           <p:nvPr/>
         </p:nvSpPr>
@@ -14875,7 +14750,7 @@
       </p:sp>
       <p:sp>
         <p:nvSpPr>
-          <p:cNvPr id="94" name="Rounded Rectangle 93"/>
+          <p:cNvPr id="224" name="Rounded Rectangle 223"/>
           <p:cNvSpPr/>
           <p:nvPr/>
         </p:nvSpPr>
@@ -14930,7 +14805,7 @@
       </p:sp>
       <p:sp>
         <p:nvSpPr>
-          <p:cNvPr id="95" name="Rounded Rectangle 94"/>
+          <p:cNvPr id="225" name="Rounded Rectangle 224"/>
           <p:cNvSpPr/>
           <p:nvPr/>
         </p:nvSpPr>
@@ -14985,11 +14860,8 @@
       </p:sp>
       <p:cxnSp>
         <p:nvCxnSpPr>
-          <p:cNvPr id="96" name="Straight Arrow Connector 95"/>
-          <p:cNvCxnSpPr>
-            <a:stCxn id="25" idx="3"/>
-            <a:endCxn id="24" idx="1"/>
-          </p:cNvCxnSpPr>
+          <p:cNvPr id="226" name="Straight Arrow Connector 225"/>
+          <p:cNvCxnSpPr/>
           <p:nvPr/>
         </p:nvCxnSpPr>
         <p:spPr>
@@ -15025,7 +14897,7 @@
       </p:cxnSp>
       <p:sp>
         <p:nvSpPr>
-          <p:cNvPr id="97" name="TextBox 96"/>
+          <p:cNvPr id="227" name="TextBox 226"/>
           <p:cNvSpPr txBox="1"/>
           <p:nvPr/>
         </p:nvSpPr>
@@ -15066,7 +14938,7 @@
       </p:sp>
       <p:sp>
         <p:nvSpPr>
-          <p:cNvPr id="98" name="Rectangle 97"/>
+          <p:cNvPr id="228" name="Rectangle 227"/>
           <p:cNvSpPr/>
           <p:nvPr/>
         </p:nvSpPr>
@@ -15137,7 +15009,7 @@
       </p:sp>
       <p:sp>
         <p:nvSpPr>
-          <p:cNvPr id="99" name="Rectangle 98"/>
+          <p:cNvPr id="229" name="Rectangle 228"/>
           <p:cNvSpPr/>
           <p:nvPr/>
         </p:nvSpPr>
@@ -15211,10 +15083,8 @@
       </p:sp>
       <p:cxnSp>
         <p:nvCxnSpPr>
-          <p:cNvPr id="100" name="Straight Arrow Connector 99"/>
-          <p:cNvCxnSpPr>
-            <a:endCxn id="9" idx="1"/>
-          </p:cNvCxnSpPr>
+          <p:cNvPr id="230" name="Straight Arrow Connector 229"/>
+          <p:cNvCxnSpPr/>
           <p:nvPr/>
         </p:nvCxnSpPr>
         <p:spPr>
@@ -15250,7 +15120,7 @@
       </p:cxnSp>
       <p:sp>
         <p:nvSpPr>
-          <p:cNvPr id="101" name="Rectangle 100"/>
+          <p:cNvPr id="231" name="Rectangle 230"/>
           <p:cNvSpPr/>
           <p:nvPr/>
         </p:nvSpPr>
@@ -15321,7 +15191,7 @@
       </p:sp>
       <p:sp>
         <p:nvSpPr>
-          <p:cNvPr id="102" name="Rectangle 101"/>
+          <p:cNvPr id="232" name="Rectangle 231"/>
           <p:cNvSpPr/>
           <p:nvPr/>
         </p:nvSpPr>
@@ -15392,11 +15262,8 @@
       </p:sp>
       <p:cxnSp>
         <p:nvCxnSpPr>
-          <p:cNvPr id="103" name="Elbow Connector 102"/>
-          <p:cNvCxnSpPr>
-            <a:stCxn id="10" idx="2"/>
-            <a:endCxn id="27" idx="3"/>
-          </p:cNvCxnSpPr>
+          <p:cNvPr id="233" name="Elbow Connector 232"/>
+          <p:cNvCxnSpPr/>
           <p:nvPr/>
         </p:nvCxnSpPr>
         <p:spPr>
@@ -15435,10 +15302,8 @@
       </p:cxnSp>
       <p:cxnSp>
         <p:nvCxnSpPr>
-          <p:cNvPr id="104" name="Elbow Connector 103"/>
-          <p:cNvCxnSpPr>
-            <a:endCxn id="36" idx="2"/>
-          </p:cNvCxnSpPr>
+          <p:cNvPr id="234" name="Elbow Connector 233"/>
+          <p:cNvCxnSpPr/>
           <p:nvPr/>
         </p:nvCxnSpPr>
         <p:spPr>
@@ -15481,7 +15346,7 @@
       </p:cxnSp>
       <p:sp>
         <p:nvSpPr>
-          <p:cNvPr id="105" name="Oval 104"/>
+          <p:cNvPr id="235" name="Oval 234"/>
           <p:cNvSpPr/>
           <p:nvPr/>
         </p:nvSpPr>
@@ -15527,17 +15392,14 @@
       </p:sp>
       <p:cxnSp>
         <p:nvCxnSpPr>
-          <p:cNvPr id="106" name="Straight Arrow Connector 105"/>
-          <p:cNvCxnSpPr>
-            <a:stCxn id="15" idx="2"/>
-            <a:endCxn id="14" idx="0"/>
-          </p:cNvCxnSpPr>
+          <p:cNvPr id="236" name="Straight Arrow Connector 235"/>
+          <p:cNvCxnSpPr/>
           <p:nvPr/>
         </p:nvCxnSpPr>
         <p:spPr>
           <a:xfrm>
-            <a:off x="6494373" y="3689829"/>
-            <a:ext cx="0" cy="88861"/>
+            <a:off x="6494373" y="3707824"/>
+            <a:ext cx="0" cy="119609"/>
           </a:xfrm>
           <a:prstGeom prst="straightConnector1">
             <a:avLst/>
@@ -15566,11 +15428,8 @@
       </p:cxnSp>
       <p:cxnSp>
         <p:nvCxnSpPr>
-          <p:cNvPr id="107" name="Elbow Connector 106"/>
-          <p:cNvCxnSpPr>
-            <a:stCxn id="13" idx="2"/>
-            <a:endCxn id="17" idx="0"/>
-          </p:cNvCxnSpPr>
+          <p:cNvPr id="237" name="Elbow Connector 236"/>
+          <p:cNvCxnSpPr/>
           <p:nvPr/>
         </p:nvCxnSpPr>
         <p:spPr>
@@ -15607,7 +15466,7 @@
       </p:cxnSp>
       <p:sp>
         <p:nvSpPr>
-          <p:cNvPr id="108" name="TextBox 107"/>
+          <p:cNvPr id="238" name="TextBox 237"/>
           <p:cNvSpPr txBox="1"/>
           <p:nvPr/>
         </p:nvSpPr>
@@ -15637,7 +15496,7 @@
       </p:sp>
       <p:sp>
         <p:nvSpPr>
-          <p:cNvPr id="109" name="TextBox 108"/>
+          <p:cNvPr id="239" name="TextBox 238"/>
           <p:cNvSpPr txBox="1"/>
           <p:nvPr/>
         </p:nvSpPr>
@@ -15667,7 +15526,7 @@
       </p:sp>
       <p:sp>
         <p:nvSpPr>
-          <p:cNvPr id="110" name="TextBox 109"/>
+          <p:cNvPr id="240" name="TextBox 239"/>
           <p:cNvSpPr txBox="1"/>
           <p:nvPr/>
         </p:nvSpPr>
@@ -15697,7 +15556,7 @@
       </p:sp>
       <p:sp>
         <p:nvSpPr>
-          <p:cNvPr id="111" name="TextBox 110"/>
+          <p:cNvPr id="241" name="TextBox 240"/>
           <p:cNvSpPr txBox="1"/>
           <p:nvPr/>
         </p:nvSpPr>
@@ -15764,14 +15623,14 @@
       </p:sp>
       <p:grpSp>
         <p:nvGrpSpPr>
-          <p:cNvPr id="112" name="Group 111"/>
+          <p:cNvPr id="242" name="Group 241"/>
           <p:cNvGrpSpPr/>
           <p:nvPr/>
         </p:nvGrpSpPr>
         <p:grpSpPr>
           <a:xfrm>
-            <a:off x="8458943" y="2096940"/>
-            <a:ext cx="798190" cy="923232"/>
+            <a:off x="8748066" y="2096940"/>
+            <a:ext cx="524620" cy="923232"/>
             <a:chOff x="8185564" y="2134647"/>
             <a:chExt cx="798190" cy="923232"/>
           </a:xfrm>
@@ -15784,7 +15643,7 @@
         </p:grpSpPr>
         <p:sp>
           <p:nvSpPr>
-            <p:cNvPr id="113" name="Rounded Rectangle 112"/>
+            <p:cNvPr id="243" name="Rounded Rectangle 242"/>
             <p:cNvSpPr/>
             <p:nvPr/>
           </p:nvSpPr>
@@ -15842,7 +15701,7 @@
         </p:sp>
         <p:sp>
           <p:nvSpPr>
-            <p:cNvPr id="114" name="Rectangle 113"/>
+            <p:cNvPr id="244" name="Rectangle 243"/>
             <p:cNvSpPr/>
             <p:nvPr/>
           </p:nvSpPr>
@@ -15895,7 +15754,7 @@
         </p:sp>
         <p:sp>
           <p:nvSpPr>
-            <p:cNvPr id="115" name="Rectangle 114"/>
+            <p:cNvPr id="245" name="Rectangle 244"/>
             <p:cNvSpPr/>
             <p:nvPr/>
           </p:nvSpPr>
@@ -15948,7 +15807,7 @@
         </p:sp>
         <p:sp>
           <p:nvSpPr>
-            <p:cNvPr id="116" name="Rectangle 115"/>
+            <p:cNvPr id="246" name="Rectangle 245"/>
             <p:cNvSpPr/>
             <p:nvPr/>
           </p:nvSpPr>
@@ -16002,28 +15861,28 @@
       </p:grpSp>
       <p:grpSp>
         <p:nvGrpSpPr>
-          <p:cNvPr id="117" name="Group 116"/>
+          <p:cNvPr id="247" name="Group 246"/>
           <p:cNvGrpSpPr/>
           <p:nvPr/>
         </p:nvGrpSpPr>
         <p:grpSpPr>
           <a:xfrm>
-            <a:off x="8411809" y="2134647"/>
-            <a:ext cx="798190" cy="923232"/>
+            <a:off x="8611846" y="2134647"/>
+            <a:ext cx="631299" cy="923232"/>
             <a:chOff x="8185564" y="2134647"/>
-            <a:chExt cx="798190" cy="923232"/>
+            <a:chExt cx="677623" cy="923232"/>
           </a:xfrm>
         </p:grpSpPr>
         <p:sp>
           <p:nvSpPr>
-            <p:cNvPr id="118" name="Rounded Rectangle 117"/>
+            <p:cNvPr id="248" name="Rounded Rectangle 247"/>
             <p:cNvSpPr/>
             <p:nvPr/>
           </p:nvSpPr>
           <p:spPr>
             <a:xfrm>
               <a:off x="8185564" y="2134647"/>
-              <a:ext cx="798190" cy="923232"/>
+              <a:ext cx="677623" cy="923232"/>
             </a:xfrm>
             <a:prstGeom prst="roundRect">
               <a:avLst/>
@@ -16062,14 +15921,14 @@
             <a:p>
               <a:pPr algn="ctr"/>
               <a:r>
-                <a:rPr lang="en-US" sz="1000" smtClean="0">
+                <a:rPr lang="en-US" sz="900" smtClean="0">
                   <a:solidFill>
                     <a:schemeClr val="tx1"/>
                   </a:solidFill>
                 </a:rPr>
                 <a:t>Container</a:t>
               </a:r>
-              <a:endParaRPr lang="en-US" sz="1000">
+              <a:endParaRPr lang="en-US" sz="900">
                 <a:solidFill>
                   <a:schemeClr val="tx1"/>
                 </a:solidFill>
@@ -16079,7 +15938,7 @@
         </p:sp>
         <p:sp>
           <p:nvSpPr>
-            <p:cNvPr id="119" name="Rectangle 118"/>
+            <p:cNvPr id="249" name="Rectangle 248"/>
             <p:cNvSpPr/>
             <p:nvPr/>
           </p:nvSpPr>
@@ -16142,7 +16001,7 @@
         </p:sp>
         <p:sp>
           <p:nvSpPr>
-            <p:cNvPr id="120" name="Rectangle 119"/>
+            <p:cNvPr id="250" name="Rectangle 249"/>
             <p:cNvSpPr/>
             <p:nvPr/>
           </p:nvSpPr>
@@ -16205,7 +16064,7 @@
         </p:sp>
         <p:sp>
           <p:nvSpPr>
-            <p:cNvPr id="121" name="Rectangle 120"/>
+            <p:cNvPr id="251" name="Rectangle 250"/>
             <p:cNvSpPr/>
             <p:nvPr/>
           </p:nvSpPr>
@@ -16269,7 +16128,7 @@
       </p:grpSp>
       <p:sp>
         <p:nvSpPr>
-          <p:cNvPr id="122" name="TextBox 121"/>
+          <p:cNvPr id="252" name="TextBox 251"/>
           <p:cNvSpPr txBox="1"/>
           <p:nvPr/>
         </p:nvSpPr>
@@ -16303,10 +16162,8 @@
       </p:sp>
       <p:cxnSp>
         <p:nvCxnSpPr>
-          <p:cNvPr id="123" name="Elbow Connector 122"/>
-          <p:cNvCxnSpPr>
-            <a:stCxn id="29" idx="1"/>
-          </p:cNvCxnSpPr>
+          <p:cNvPr id="253" name="Elbow Connector 252"/>
+          <p:cNvCxnSpPr/>
           <p:nvPr/>
         </p:nvCxnSpPr>
         <p:spPr>
@@ -16347,11 +16204,8 @@
       </p:cxnSp>
       <p:cxnSp>
         <p:nvCxnSpPr>
-          <p:cNvPr id="124" name="Straight Arrow Connector 123"/>
-          <p:cNvCxnSpPr>
-            <a:stCxn id="27" idx="2"/>
-            <a:endCxn id="33" idx="0"/>
-          </p:cNvCxnSpPr>
+          <p:cNvPr id="254" name="Straight Arrow Connector 253"/>
+          <p:cNvCxnSpPr/>
           <p:nvPr/>
         </p:nvCxnSpPr>
         <p:spPr>
@@ -16387,7 +16241,7 @@
       </p:cxnSp>
       <p:sp>
         <p:nvSpPr>
-          <p:cNvPr id="125" name="TextBox 124"/>
+          <p:cNvPr id="255" name="TextBox 254"/>
           <p:cNvSpPr txBox="1"/>
           <p:nvPr/>
         </p:nvSpPr>
@@ -16417,11 +16271,8 @@
       </p:sp>
       <p:cxnSp>
         <p:nvCxnSpPr>
-          <p:cNvPr id="126" name="Elbow Connector 125"/>
-          <p:cNvCxnSpPr>
-            <a:stCxn id="22" idx="1"/>
-            <a:endCxn id="13" idx="0"/>
-          </p:cNvCxnSpPr>
+          <p:cNvPr id="256" name="Elbow Connector 255"/>
+          <p:cNvCxnSpPr/>
           <p:nvPr/>
         </p:nvCxnSpPr>
         <p:spPr>
@@ -16460,7 +16311,7 @@
       </p:cxnSp>
       <p:sp>
         <p:nvSpPr>
-          <p:cNvPr id="127" name="Rounded Rectangle 126"/>
+          <p:cNvPr id="257" name="Rounded Rectangle 256"/>
           <p:cNvSpPr/>
           <p:nvPr/>
         </p:nvSpPr>
@@ -16515,7 +16366,7 @@
       </p:sp>
       <p:sp>
         <p:nvSpPr>
-          <p:cNvPr id="128" name="Rounded Rectangle 127"/>
+          <p:cNvPr id="258" name="Rounded Rectangle 257"/>
           <p:cNvSpPr/>
           <p:nvPr/>
         </p:nvSpPr>
@@ -16581,7 +16432,7 @@
       </p:sp>
       <p:sp>
         <p:nvSpPr>
-          <p:cNvPr id="129" name="Rectangle 128"/>
+          <p:cNvPr id="259" name="Rectangle 258"/>
           <p:cNvSpPr/>
           <p:nvPr/>
         </p:nvSpPr>
@@ -16652,7 +16503,7 @@
       </p:sp>
       <p:sp>
         <p:nvSpPr>
-          <p:cNvPr id="130" name="Rectangle 129"/>
+          <p:cNvPr id="260" name="Rectangle 259"/>
           <p:cNvSpPr/>
           <p:nvPr/>
         </p:nvSpPr>
@@ -16712,11 +16563,8 @@
       </p:sp>
       <p:cxnSp>
         <p:nvCxnSpPr>
-          <p:cNvPr id="131" name="Straight Arrow Connector 130"/>
-          <p:cNvCxnSpPr>
-            <a:stCxn id="32" idx="3"/>
-            <a:endCxn id="33" idx="1"/>
-          </p:cNvCxnSpPr>
+          <p:cNvPr id="261" name="Straight Arrow Connector 260"/>
+          <p:cNvCxnSpPr/>
           <p:nvPr/>
         </p:nvCxnSpPr>
         <p:spPr>
@@ -16752,7 +16600,7 @@
       </p:cxnSp>
       <p:sp>
         <p:nvSpPr>
-          <p:cNvPr id="132" name="Rounded Rectangle 131"/>
+          <p:cNvPr id="262" name="Rounded Rectangle 261"/>
           <p:cNvSpPr/>
           <p:nvPr/>
         </p:nvSpPr>
@@ -16807,7 +16655,7 @@
       </p:sp>
       <p:sp>
         <p:nvSpPr>
-          <p:cNvPr id="133" name="Rounded Rectangle 132"/>
+          <p:cNvPr id="263" name="Rounded Rectangle 262"/>
           <p:cNvSpPr/>
           <p:nvPr/>
         </p:nvSpPr>
@@ -16873,7 +16721,7 @@
       </p:sp>
       <p:sp>
         <p:nvSpPr>
-          <p:cNvPr id="134" name="Rectangle 133"/>
+          <p:cNvPr id="264" name="Rectangle 263"/>
           <p:cNvSpPr/>
           <p:nvPr/>
         </p:nvSpPr>
@@ -16931,7 +16779,7 @@
       </p:sp>
       <p:sp>
         <p:nvSpPr>
-          <p:cNvPr id="135" name="Rectangle 134"/>
+          <p:cNvPr id="265" name="Rectangle 264"/>
           <p:cNvSpPr/>
           <p:nvPr/>
         </p:nvSpPr>
@@ -17047,7 +16895,7 @@
       </p:sp>
       <p:cxnSp>
         <p:nvCxnSpPr>
-          <p:cNvPr id="136" name="Elbow Connector 135"/>
+          <p:cNvPr id="266" name="Elbow Connector 265"/>
           <p:cNvCxnSpPr/>
           <p:nvPr/>
         </p:nvCxnSpPr>
@@ -17085,7 +16933,7 @@
       </p:cxnSp>
       <p:sp>
         <p:nvSpPr>
-          <p:cNvPr id="137" name="Oval 136"/>
+          <p:cNvPr id="267" name="Oval 266"/>
           <p:cNvSpPr/>
           <p:nvPr/>
         </p:nvSpPr>
@@ -17126,6 +16974,356 @@
           <a:p>
             <a:pPr algn="ctr"/>
             <a:endParaRPr lang="en-US"/>
+          </a:p>
+        </p:txBody>
+      </p:sp>
+      <p:cxnSp>
+        <p:nvCxnSpPr>
+          <p:cNvPr id="268" name="Straight Arrow Connector 201"/>
+          <p:cNvCxnSpPr/>
+          <p:nvPr/>
+        </p:nvCxnSpPr>
+        <p:spPr>
+          <a:xfrm>
+            <a:off x="8332813" y="2592908"/>
+            <a:ext cx="279033" cy="3355"/>
+          </a:xfrm>
+          <a:prstGeom prst="straightConnector1">
+            <a:avLst/>
+          </a:prstGeom>
+          <a:ln>
+            <a:solidFill>
+              <a:schemeClr val="tx1"/>
+            </a:solidFill>
+            <a:headEnd type="triangle"/>
+            <a:tailEnd type="triangle"/>
+          </a:ln>
+        </p:spPr>
+        <p:style>
+          <a:lnRef idx="1">
+            <a:schemeClr val="accent1"/>
+          </a:lnRef>
+          <a:fillRef idx="0">
+            <a:schemeClr val="accent1"/>
+          </a:fillRef>
+          <a:effectRef idx="0">
+            <a:schemeClr val="accent1"/>
+          </a:effectRef>
+          <a:fontRef idx="minor">
+            <a:schemeClr val="tx1"/>
+          </a:fontRef>
+        </p:style>
+      </p:cxnSp>
+      <p:sp>
+        <p:nvSpPr>
+          <p:cNvPr id="269" name="TextBox 273"/>
+          <p:cNvSpPr txBox="1"/>
+          <p:nvPr/>
+        </p:nvSpPr>
+        <p:spPr>
+          <a:xfrm>
+            <a:off x="8316563" y="2419108"/>
+            <a:ext cx="328936" cy="215444"/>
+          </a:xfrm>
+          <a:prstGeom prst="rect">
+            <a:avLst/>
+          </a:prstGeom>
+          <a:noFill/>
+        </p:spPr>
+        <p:txBody>
+          <a:bodyPr wrap="none" rtlCol="0">
+            <a:spAutoFit/>
+          </a:bodyPr>
+          <a:lstStyle/>
+          <a:p>
+            <a:r>
+              <a:rPr lang="en-US" sz="800" dirty="0" smtClean="0"/>
+              <a:t>1:N</a:t>
+            </a:r>
+            <a:endParaRPr lang="en-US" sz="800" dirty="0"/>
+          </a:p>
+        </p:txBody>
+      </p:sp>
+      <p:cxnSp>
+        <p:nvCxnSpPr>
+          <p:cNvPr id="270" name="Elbow Connector 269"/>
+          <p:cNvCxnSpPr/>
+          <p:nvPr/>
+        </p:nvCxnSpPr>
+        <p:spPr>
+          <a:xfrm flipV="1">
+            <a:off x="7216455" y="3148667"/>
+            <a:ext cx="826825" cy="1563661"/>
+          </a:xfrm>
+          <a:prstGeom prst="bentConnector2">
+            <a:avLst/>
+          </a:prstGeom>
+          <a:ln>
+            <a:solidFill>
+              <a:schemeClr val="tx1"/>
+            </a:solidFill>
+            <a:tailEnd type="triangle"/>
+          </a:ln>
+        </p:spPr>
+        <p:style>
+          <a:lnRef idx="1">
+            <a:schemeClr val="accent1"/>
+          </a:lnRef>
+          <a:fillRef idx="0">
+            <a:schemeClr val="accent1"/>
+          </a:fillRef>
+          <a:effectRef idx="0">
+            <a:schemeClr val="accent1"/>
+          </a:effectRef>
+          <a:fontRef idx="minor">
+            <a:schemeClr val="tx1"/>
+          </a:fontRef>
+        </p:style>
+      </p:cxnSp>
+      <p:cxnSp>
+        <p:nvCxnSpPr>
+          <p:cNvPr id="271" name="Elbow Connector 270"/>
+          <p:cNvCxnSpPr/>
+          <p:nvPr/>
+        </p:nvCxnSpPr>
+        <p:spPr>
+          <a:xfrm rot="16200000" flipV="1">
+            <a:off x="2724574" y="3814564"/>
+            <a:ext cx="2562555" cy="70141"/>
+          </a:xfrm>
+          <a:prstGeom prst="bentConnector4">
+            <a:avLst>
+              <a:gd name="adj1" fmla="val 7015"/>
+              <a:gd name="adj2" fmla="val 556041"/>
+            </a:avLst>
+          </a:prstGeom>
+          <a:ln>
+            <a:headEnd type="triangle"/>
+            <a:tailEnd type="triangle"/>
+          </a:ln>
+        </p:spPr>
+        <p:style>
+          <a:lnRef idx="1">
+            <a:schemeClr val="accent1"/>
+          </a:lnRef>
+          <a:fillRef idx="0">
+            <a:schemeClr val="accent1"/>
+          </a:fillRef>
+          <a:effectRef idx="0">
+            <a:schemeClr val="accent1"/>
+          </a:effectRef>
+          <a:fontRef idx="minor">
+            <a:schemeClr val="tx1"/>
+          </a:fontRef>
+        </p:style>
+      </p:cxnSp>
+      <p:sp>
+        <p:nvSpPr>
+          <p:cNvPr id="272" name="Oval 271"/>
+          <p:cNvSpPr/>
+          <p:nvPr/>
+        </p:nvSpPr>
+        <p:spPr>
+          <a:xfrm flipV="1">
+            <a:off x="5745825" y="2962171"/>
+            <a:ext cx="181655" cy="174659"/>
+          </a:xfrm>
+          <a:prstGeom prst="ellipse">
+            <a:avLst/>
+          </a:prstGeom>
+          <a:solidFill>
+            <a:schemeClr val="bg1"/>
+          </a:solidFill>
+          <a:ln>
+            <a:noFill/>
+          </a:ln>
+        </p:spPr>
+        <p:style>
+          <a:lnRef idx="2">
+            <a:schemeClr val="accent1">
+              <a:shade val="50000"/>
+            </a:schemeClr>
+          </a:lnRef>
+          <a:fillRef idx="1">
+            <a:schemeClr val="accent1"/>
+          </a:fillRef>
+          <a:effectRef idx="0">
+            <a:schemeClr val="accent1"/>
+          </a:effectRef>
+          <a:fontRef idx="minor">
+            <a:schemeClr val="lt1"/>
+          </a:fontRef>
+        </p:style>
+        <p:txBody>
+          <a:bodyPr rtlCol="0" anchor="ctr"/>
+          <a:lstStyle/>
+          <a:p>
+            <a:pPr algn="ctr"/>
+            <a:endParaRPr lang="en-US"/>
+          </a:p>
+        </p:txBody>
+      </p:sp>
+      <p:cxnSp>
+        <p:nvCxnSpPr>
+          <p:cNvPr id="273" name="Elbow Connector 272"/>
+          <p:cNvCxnSpPr/>
+          <p:nvPr/>
+        </p:nvCxnSpPr>
+        <p:spPr>
+          <a:xfrm flipV="1">
+            <a:off x="5242239" y="3049500"/>
+            <a:ext cx="503586" cy="1223070"/>
+          </a:xfrm>
+          <a:prstGeom prst="bentConnector3">
+            <a:avLst>
+              <a:gd name="adj1" fmla="val 50000"/>
+            </a:avLst>
+          </a:prstGeom>
+          <a:ln>
+            <a:solidFill>
+              <a:schemeClr val="tx1"/>
+            </a:solidFill>
+            <a:tailEnd type="triangle"/>
+          </a:ln>
+        </p:spPr>
+        <p:style>
+          <a:lnRef idx="1">
+            <a:schemeClr val="accent1"/>
+          </a:lnRef>
+          <a:fillRef idx="0">
+            <a:schemeClr val="accent1"/>
+          </a:fillRef>
+          <a:effectRef idx="0">
+            <a:schemeClr val="accent1"/>
+          </a:effectRef>
+          <a:fontRef idx="minor">
+            <a:schemeClr val="tx1"/>
+          </a:fontRef>
+        </p:style>
+      </p:cxnSp>
+      <p:sp>
+        <p:nvSpPr>
+          <p:cNvPr id="274" name="Rounded Rectangle 273"/>
+          <p:cNvSpPr/>
+          <p:nvPr/>
+        </p:nvSpPr>
+        <p:spPr>
+          <a:xfrm>
+            <a:off x="4033727" y="3599880"/>
+            <a:ext cx="1147329" cy="140053"/>
+          </a:xfrm>
+          <a:prstGeom prst="roundRect">
+            <a:avLst/>
+          </a:prstGeom>
+          <a:solidFill>
+            <a:schemeClr val="bg1"/>
+          </a:solidFill>
+          <a:ln>
+            <a:solidFill>
+              <a:schemeClr val="tx1">
+                <a:lumMod val="75000"/>
+                <a:lumOff val="25000"/>
+              </a:schemeClr>
+            </a:solidFill>
+          </a:ln>
+        </p:spPr>
+        <p:style>
+          <a:lnRef idx="2">
+            <a:schemeClr val="accent1">
+              <a:shade val="50000"/>
+            </a:schemeClr>
+          </a:lnRef>
+          <a:fillRef idx="1">
+            <a:schemeClr val="accent1"/>
+          </a:fillRef>
+          <a:effectRef idx="0">
+            <a:schemeClr val="accent1"/>
+          </a:effectRef>
+          <a:fontRef idx="minor">
+            <a:schemeClr val="lt1"/>
+          </a:fontRef>
+        </p:style>
+        <p:txBody>
+          <a:bodyPr rtlCol="0" anchor="ctr"/>
+          <a:lstStyle/>
+          <a:p>
+            <a:pPr algn="ctr"/>
+            <a:r>
+              <a:rPr lang="en-US" sz="800" smtClean="0">
+                <a:solidFill>
+                  <a:srgbClr val="0070C0"/>
+                </a:solidFill>
+              </a:rPr>
+              <a:t>stateless</a:t>
+            </a:r>
+            <a:endParaRPr lang="en-US" sz="800">
+              <a:solidFill>
+                <a:srgbClr val="0070C0"/>
+              </a:solidFill>
+            </a:endParaRPr>
+          </a:p>
+        </p:txBody>
+      </p:sp>
+      <p:sp>
+        <p:nvSpPr>
+          <p:cNvPr id="275" name="Rounded Rectangle 274"/>
+          <p:cNvSpPr/>
+          <p:nvPr/>
+        </p:nvSpPr>
+        <p:spPr>
+          <a:xfrm>
+            <a:off x="5928652" y="4102432"/>
+            <a:ext cx="1147329" cy="133058"/>
+          </a:xfrm>
+          <a:prstGeom prst="roundRect">
+            <a:avLst/>
+          </a:prstGeom>
+          <a:solidFill>
+            <a:schemeClr val="bg1"/>
+          </a:solidFill>
+          <a:ln>
+            <a:solidFill>
+              <a:schemeClr val="tx1">
+                <a:lumMod val="75000"/>
+                <a:lumOff val="25000"/>
+              </a:schemeClr>
+            </a:solidFill>
+          </a:ln>
+        </p:spPr>
+        <p:style>
+          <a:lnRef idx="2">
+            <a:schemeClr val="accent1">
+              <a:shade val="50000"/>
+            </a:schemeClr>
+          </a:lnRef>
+          <a:fillRef idx="1">
+            <a:schemeClr val="accent1"/>
+          </a:fillRef>
+          <a:effectRef idx="0">
+            <a:schemeClr val="accent1"/>
+          </a:effectRef>
+          <a:fontRef idx="minor">
+            <a:schemeClr val="lt1"/>
+          </a:fontRef>
+        </p:style>
+        <p:txBody>
+          <a:bodyPr rtlCol="0" anchor="ctr"/>
+          <a:lstStyle/>
+          <a:p>
+            <a:pPr algn="ctr"/>
+            <a:r>
+              <a:rPr lang="en-US" sz="800" smtClean="0">
+                <a:solidFill>
+                  <a:srgbClr val="0070C0"/>
+                </a:solidFill>
+              </a:rPr>
+              <a:t>stateless</a:t>
+            </a:r>
+            <a:endParaRPr lang="en-US" sz="800">
+              <a:solidFill>
+                <a:srgbClr val="0070C0"/>
+              </a:solidFill>
+            </a:endParaRPr>
           </a:p>
         </p:txBody>
       </p:sp>
